--- a/internPresentation.pptx
+++ b/internPresentation.pptx
@@ -6,10 +6,10 @@
   </p:sldMasterIdLst>
   <p:sldIdLst>
     <p:sldId id="256" r:id="rId2"/>
-    <p:sldId id="271" r:id="rId3"/>
-    <p:sldId id="257" r:id="rId4"/>
-    <p:sldId id="258" r:id="rId5"/>
-    <p:sldId id="268" r:id="rId6"/>
+    <p:sldId id="257" r:id="rId3"/>
+    <p:sldId id="272" r:id="rId4"/>
+    <p:sldId id="273" r:id="rId5"/>
+    <p:sldId id="258" r:id="rId6"/>
     <p:sldId id="259" r:id="rId7"/>
     <p:sldId id="260" r:id="rId8"/>
     <p:sldId id="261" r:id="rId9"/>
@@ -304,7 +304,7 @@
             <a:fld id="{7E504A95-3B2C-4009-A260-83DBE585AC55}" type="datetimeFigureOut">
               <a:rPr lang="en-US" smtClean="0"/>
               <a:pPr/>
-              <a:t>8/16/2017</a:t>
+              <a:t>8/17/2017</a:t>
             </a:fld>
             <a:endParaRPr lang="en-US"/>
           </a:p>
@@ -471,7 +471,7 @@
             <a:fld id="{7E504A95-3B2C-4009-A260-83DBE585AC55}" type="datetimeFigureOut">
               <a:rPr lang="en-US" smtClean="0"/>
               <a:pPr/>
-              <a:t>8/16/2017</a:t>
+              <a:t>8/17/2017</a:t>
             </a:fld>
             <a:endParaRPr lang="en-US"/>
           </a:p>
@@ -648,7 +648,7 @@
             <a:fld id="{7E504A95-3B2C-4009-A260-83DBE585AC55}" type="datetimeFigureOut">
               <a:rPr lang="en-US" smtClean="0"/>
               <a:pPr/>
-              <a:t>8/16/2017</a:t>
+              <a:t>8/17/2017</a:t>
             </a:fld>
             <a:endParaRPr lang="en-US"/>
           </a:p>
@@ -815,7 +815,7 @@
             <a:fld id="{7E504A95-3B2C-4009-A260-83DBE585AC55}" type="datetimeFigureOut">
               <a:rPr lang="en-US" smtClean="0"/>
               <a:pPr/>
-              <a:t>8/16/2017</a:t>
+              <a:t>8/17/2017</a:t>
             </a:fld>
             <a:endParaRPr lang="en-US"/>
           </a:p>
@@ -1058,7 +1058,7 @@
             <a:fld id="{7E504A95-3B2C-4009-A260-83DBE585AC55}" type="datetimeFigureOut">
               <a:rPr lang="en-US" smtClean="0"/>
               <a:pPr/>
-              <a:t>8/16/2017</a:t>
+              <a:t>8/17/2017</a:t>
             </a:fld>
             <a:endParaRPr lang="en-US"/>
           </a:p>
@@ -1343,7 +1343,7 @@
             <a:fld id="{7E504A95-3B2C-4009-A260-83DBE585AC55}" type="datetimeFigureOut">
               <a:rPr lang="en-US" smtClean="0"/>
               <a:pPr/>
-              <a:t>8/16/2017</a:t>
+              <a:t>8/17/2017</a:t>
             </a:fld>
             <a:endParaRPr lang="en-US"/>
           </a:p>
@@ -1762,7 +1762,7 @@
             <a:fld id="{7E504A95-3B2C-4009-A260-83DBE585AC55}" type="datetimeFigureOut">
               <a:rPr lang="en-US" smtClean="0"/>
               <a:pPr/>
-              <a:t>8/16/2017</a:t>
+              <a:t>8/17/2017</a:t>
             </a:fld>
             <a:endParaRPr lang="en-US"/>
           </a:p>
@@ -1877,7 +1877,7 @@
             <a:fld id="{7E504A95-3B2C-4009-A260-83DBE585AC55}" type="datetimeFigureOut">
               <a:rPr lang="en-US" smtClean="0"/>
               <a:pPr/>
-              <a:t>8/16/2017</a:t>
+              <a:t>8/17/2017</a:t>
             </a:fld>
             <a:endParaRPr lang="en-US"/>
           </a:p>
@@ -1969,7 +1969,7 @@
             <a:fld id="{7E504A95-3B2C-4009-A260-83DBE585AC55}" type="datetimeFigureOut">
               <a:rPr lang="en-US" smtClean="0"/>
               <a:pPr/>
-              <a:t>8/16/2017</a:t>
+              <a:t>8/17/2017</a:t>
             </a:fld>
             <a:endParaRPr lang="en-US"/>
           </a:p>
@@ -2243,7 +2243,7 @@
             <a:fld id="{7E504A95-3B2C-4009-A260-83DBE585AC55}" type="datetimeFigureOut">
               <a:rPr lang="en-US" smtClean="0"/>
               <a:pPr/>
-              <a:t>8/16/2017</a:t>
+              <a:t>8/17/2017</a:t>
             </a:fld>
             <a:endParaRPr lang="en-US"/>
           </a:p>
@@ -2493,7 +2493,7 @@
             <a:fld id="{7E504A95-3B2C-4009-A260-83DBE585AC55}" type="datetimeFigureOut">
               <a:rPr lang="en-US" smtClean="0"/>
               <a:pPr/>
-              <a:t>8/16/2017</a:t>
+              <a:t>8/17/2017</a:t>
             </a:fld>
             <a:endParaRPr lang="en-US"/>
           </a:p>
@@ -2712,7 +2712,7 @@
             <a:fld id="{7E504A95-3B2C-4009-A260-83DBE585AC55}" type="datetimeFigureOut">
               <a:rPr lang="en-US" smtClean="0"/>
               <a:pPr/>
-              <a:t>8/16/2017</a:t>
+              <a:t>8/17/2017</a:t>
             </a:fld>
             <a:endParaRPr lang="en-US"/>
           </a:p>
@@ -3178,7 +3178,11 @@
           <a:p>
             <a:r>
               <a:rPr lang="en-US" dirty="0" smtClean="0"/>
-              <a:t>Publish Filter</a:t>
+              <a:t>Publishing </a:t>
+            </a:r>
+            <a:r>
+              <a:rPr lang="en-US" dirty="0" smtClean="0"/>
+              <a:t>Filter</a:t>
             </a:r>
             <a:endParaRPr lang="en-US" dirty="0"/>
           </a:p>
@@ -3201,8 +3205,41 @@
           <a:p>
             <a:r>
               <a:rPr lang="en-US" dirty="0" smtClean="0"/>
-              <a:t>JavaScript, HTML</a:t>
-            </a:r>
+              <a:t>JavaScript, </a:t>
+            </a:r>
+            <a:r>
+              <a:rPr lang="en-US" dirty="0" smtClean="0"/>
+              <a:t>HTML</a:t>
+            </a:r>
+          </a:p>
+          <a:p>
+            <a:pPr>
+              <a:buNone/>
+            </a:pPr>
+            <a:endParaRPr lang="en-US" dirty="0" smtClean="0"/>
+          </a:p>
+          <a:p>
+            <a:pPr>
+              <a:buNone/>
+            </a:pPr>
+            <a:r>
+              <a:rPr lang="en-US" b="1" dirty="0" smtClean="0"/>
+              <a:t>What it does:</a:t>
+            </a:r>
+          </a:p>
+          <a:p>
+            <a:pPr marL="514350" indent="-514350">
+              <a:buAutoNum type="arabicPeriod"/>
+            </a:pPr>
+            <a:r>
+              <a:rPr lang="en-US" dirty="0" smtClean="0"/>
+              <a:t>Blocks certain files from being published.</a:t>
+            </a:r>
+          </a:p>
+          <a:p>
+            <a:pPr marL="514350" indent="-514350">
+              <a:buNone/>
+            </a:pPr>
             <a:endParaRPr lang="en-US" dirty="0"/>
           </a:p>
         </p:txBody>
@@ -3702,6 +3739,17 @@
           <a:p>
             <a:r>
               <a:rPr lang="en-US" dirty="0" smtClean="0"/>
+              <a:t>Shiv </a:t>
+            </a:r>
+            <a:r>
+              <a:rPr lang="en-US" dirty="0" smtClean="0"/>
+              <a:t>Peparthi, Dan Liu</a:t>
+            </a:r>
+            <a:endParaRPr lang="en-US" dirty="0" smtClean="0"/>
+          </a:p>
+          <a:p>
+            <a:r>
+              <a:rPr lang="en-US" dirty="0" smtClean="0"/>
               <a:t>Natarajan Subramanian</a:t>
             </a:r>
           </a:p>
@@ -3781,7 +3829,11 @@
           <a:p>
             <a:r>
               <a:rPr lang="en-US" dirty="0" smtClean="0"/>
-              <a:t>Thank You</a:t>
+              <a:t>Thank </a:t>
+            </a:r>
+            <a:r>
+              <a:rPr lang="en-US" dirty="0" smtClean="0"/>
+              <a:t>You!</a:t>
             </a:r>
             <a:endParaRPr lang="en-US" dirty="0"/>
           </a:p>
@@ -3836,124 +3888,48 @@
           <a:p>
             <a:r>
               <a:rPr lang="en-US" dirty="0" smtClean="0"/>
-              <a:t>Outline (not part of presentation)</a:t>
+              <a:t>About Me</a:t>
             </a:r>
             <a:endParaRPr lang="en-US" dirty="0"/>
           </a:p>
         </p:txBody>
       </p:sp>
-      <p:sp>
-        <p:nvSpPr>
-          <p:cNvPr id="3" name="Content Placeholder 2"/>
-          <p:cNvSpPr>
-            <a:spLocks noGrp="1"/>
-          </p:cNvSpPr>
-          <p:nvPr>
-            <p:ph idx="1"/>
-          </p:nvPr>
-        </p:nvSpPr>
-        <p:spPr/>
-        <p:txBody>
-          <a:bodyPr/>
-          <a:lstStyle/>
-          <a:p>
-            <a:r>
-              <a:rPr lang="en-US" dirty="0" smtClean="0"/>
-              <a:t>Introduction (1 minute)</a:t>
-            </a:r>
-          </a:p>
-          <a:p>
-            <a:r>
-              <a:rPr lang="en-US" dirty="0" smtClean="0"/>
-              <a:t>Talk about sync/</a:t>
-            </a:r>
-            <a:r>
-              <a:rPr lang="en-US" dirty="0" err="1" smtClean="0"/>
-              <a:t>async</a:t>
-            </a:r>
-            <a:r>
-              <a:rPr lang="en-US" dirty="0" smtClean="0"/>
-              <a:t> languages (30 </a:t>
-            </a:r>
-            <a:r>
-              <a:rPr lang="en-US" dirty="0" err="1" smtClean="0"/>
-              <a:t>secs</a:t>
-            </a:r>
-            <a:r>
-              <a:rPr lang="en-US" dirty="0" smtClean="0"/>
-              <a:t>)</a:t>
-            </a:r>
-          </a:p>
-          <a:p>
-            <a:r>
-              <a:rPr lang="en-US" dirty="0" smtClean="0"/>
-              <a:t>Talk about project 1 (2 minute)</a:t>
-            </a:r>
-          </a:p>
-          <a:p>
-            <a:r>
-              <a:rPr lang="en-US" dirty="0" smtClean="0"/>
-              <a:t>Talk about databases (30 </a:t>
-            </a:r>
-            <a:r>
-              <a:rPr lang="en-US" dirty="0" err="1" smtClean="0"/>
-              <a:t>secs</a:t>
-            </a:r>
-            <a:r>
-              <a:rPr lang="en-US" dirty="0" smtClean="0"/>
-              <a:t>)</a:t>
-            </a:r>
-          </a:p>
-          <a:p>
-            <a:r>
-              <a:rPr lang="en-US" dirty="0" smtClean="0"/>
-              <a:t>Talk about project 2 (2 minute)</a:t>
-            </a:r>
-          </a:p>
-          <a:p>
-            <a:r>
-              <a:rPr lang="en-US" dirty="0" err="1" smtClean="0"/>
-              <a:t>Outro</a:t>
-            </a:r>
-            <a:r>
-              <a:rPr lang="en-US" dirty="0" smtClean="0"/>
-              <a:t> (30 </a:t>
-            </a:r>
-            <a:r>
-              <a:rPr lang="en-US" dirty="0" err="1" smtClean="0"/>
-              <a:t>secs</a:t>
-            </a:r>
-            <a:r>
-              <a:rPr lang="en-US" dirty="0" smtClean="0"/>
-              <a:t>)</a:t>
-            </a:r>
-          </a:p>
-          <a:p>
-            <a:r>
-              <a:rPr lang="en-US" dirty="0" smtClean="0"/>
-              <a:t>Total: 6 </a:t>
-            </a:r>
-            <a:r>
-              <a:rPr lang="en-US" dirty="0" err="1" smtClean="0"/>
-              <a:t>mins</a:t>
-            </a:r>
-            <a:r>
-              <a:rPr lang="en-US" dirty="0" smtClean="0"/>
-              <a:t> 30 </a:t>
-            </a:r>
-            <a:r>
-              <a:rPr lang="en-US" dirty="0" err="1" smtClean="0"/>
-              <a:t>secs</a:t>
-            </a:r>
-            <a:endParaRPr lang="en-US" dirty="0"/>
-          </a:p>
-        </p:txBody>
-      </p:sp>
+      <p:pic>
+        <p:nvPicPr>
+          <p:cNvPr id="4" name="Picture 3" descr="ucdavis-logo.png"/>
+          <p:cNvPicPr>
+            <a:picLocks noChangeAspect="1"/>
+          </p:cNvPicPr>
+          <p:nvPr/>
+        </p:nvPicPr>
+        <p:blipFill>
+          <a:blip r:embed="rId2" cstate="print"/>
+          <a:stretch>
+            <a:fillRect/>
+          </a:stretch>
+        </p:blipFill>
+        <p:spPr>
+          <a:xfrm>
+            <a:off x="1371600" y="2514600"/>
+            <a:ext cx="6477000" cy="1657033"/>
+          </a:xfrm>
+          <a:prstGeom prst="rect">
+            <a:avLst/>
+          </a:prstGeom>
+        </p:spPr>
+      </p:pic>
     </p:spTree>
   </p:cSld>
   <p:clrMapOvr>
     <a:masterClrMapping/>
   </p:clrMapOvr>
+  <p:timing>
+    <p:tnLst>
+      <p:par>
+        <p:cTn id="1" dur="indefinite" restart="never" nodeType="tmRoot"/>
+      </p:par>
+    </p:tnLst>
+  </p:timing>
 </p:sld>
 </file>
 
@@ -3991,60 +3967,128 @@
           <a:p>
             <a:r>
               <a:rPr lang="en-US" dirty="0" smtClean="0"/>
-              <a:t>About Me</a:t>
+              <a:t>Synchronous (C++)</a:t>
             </a:r>
             <a:endParaRPr lang="en-US" dirty="0"/>
           </a:p>
         </p:txBody>
       </p:sp>
-      <p:pic>
-        <p:nvPicPr>
-          <p:cNvPr id="4" name="Picture 3" descr="ucdavis-logo.png"/>
-          <p:cNvPicPr>
-            <a:picLocks noChangeAspect="1"/>
-          </p:cNvPicPr>
-          <p:nvPr/>
-        </p:nvPicPr>
-        <p:blipFill>
-          <a:blip r:embed="rId2" cstate="print"/>
-          <a:stretch>
-            <a:fillRect/>
-          </a:stretch>
-        </p:blipFill>
-        <p:spPr>
-          <a:xfrm>
-            <a:off x="1447800" y="4114800"/>
-            <a:ext cx="6477000" cy="1657033"/>
-          </a:xfrm>
-          <a:prstGeom prst="rect">
-            <a:avLst/>
-          </a:prstGeom>
-        </p:spPr>
-      </p:pic>
-      <p:pic>
-        <p:nvPicPr>
-          <p:cNvPr id="5" name="Picture 4" descr="g4tv-pong-flash-games-flash-games-break-most-addicting-flash_100857_D.jpg"/>
-          <p:cNvPicPr>
-            <a:picLocks noChangeAspect="1"/>
-          </p:cNvPicPr>
-          <p:nvPr/>
-        </p:nvPicPr>
-        <p:blipFill>
-          <a:blip r:embed="rId3" cstate="print"/>
-          <a:stretch>
-            <a:fillRect/>
-          </a:stretch>
-        </p:blipFill>
-        <p:spPr>
-          <a:xfrm>
-            <a:off x="2743200" y="1447800"/>
-            <a:ext cx="3503636" cy="2245457"/>
-          </a:xfrm>
-          <a:prstGeom prst="rect">
-            <a:avLst/>
-          </a:prstGeom>
-        </p:spPr>
-      </p:pic>
+      <p:sp>
+        <p:nvSpPr>
+          <p:cNvPr id="3" name="Content Placeholder 2"/>
+          <p:cNvSpPr>
+            <a:spLocks noGrp="1"/>
+          </p:cNvSpPr>
+          <p:nvPr>
+            <p:ph idx="1"/>
+          </p:nvPr>
+        </p:nvSpPr>
+        <p:spPr/>
+        <p:txBody>
+          <a:bodyPr>
+            <a:normAutofit/>
+          </a:bodyPr>
+          <a:lstStyle/>
+          <a:p>
+            <a:pPr>
+              <a:buNone/>
+            </a:pPr>
+            <a:r>
+              <a:rPr lang="en-US" dirty="0" err="1" smtClean="0"/>
+              <a:t>i</a:t>
+            </a:r>
+            <a:r>
+              <a:rPr lang="en-US" dirty="0" err="1" smtClean="0"/>
+              <a:t>nt</a:t>
+            </a:r>
+            <a:r>
+              <a:rPr lang="en-US" dirty="0" smtClean="0"/>
+              <a:t> main() { 	// STARTS HERE</a:t>
+            </a:r>
+          </a:p>
+          <a:p>
+            <a:pPr>
+              <a:buNone/>
+            </a:pPr>
+            <a:endParaRPr lang="en-US" dirty="0" smtClean="0"/>
+          </a:p>
+          <a:p>
+            <a:pPr>
+              <a:buNone/>
+            </a:pPr>
+            <a:r>
+              <a:rPr lang="en-US" dirty="0" smtClean="0"/>
+              <a:t>	</a:t>
+            </a:r>
+            <a:r>
+              <a:rPr lang="en-US" dirty="0" err="1" smtClean="0"/>
+              <a:t>cout</a:t>
+            </a:r>
+            <a:r>
+              <a:rPr lang="en-US" dirty="0" smtClean="0"/>
+              <a:t> &lt;&lt; “One”;</a:t>
+            </a:r>
+          </a:p>
+          <a:p>
+            <a:pPr>
+              <a:buNone/>
+            </a:pPr>
+            <a:r>
+              <a:rPr lang="en-US" dirty="0" smtClean="0"/>
+              <a:t>	</a:t>
+            </a:r>
+            <a:r>
+              <a:rPr lang="en-US" dirty="0" err="1" smtClean="0"/>
+              <a:t>c</a:t>
+            </a:r>
+            <a:r>
+              <a:rPr lang="en-US" dirty="0" err="1" smtClean="0"/>
+              <a:t>out</a:t>
+            </a:r>
+            <a:r>
+              <a:rPr lang="en-US" dirty="0" smtClean="0"/>
+              <a:t> &lt;&lt; “Two”;</a:t>
+            </a:r>
+          </a:p>
+          <a:p>
+            <a:pPr>
+              <a:buNone/>
+            </a:pPr>
+            <a:r>
+              <a:rPr lang="en-US" dirty="0" smtClean="0"/>
+              <a:t>	</a:t>
+            </a:r>
+            <a:r>
+              <a:rPr lang="en-US" dirty="0" err="1" smtClean="0"/>
+              <a:t>c</a:t>
+            </a:r>
+            <a:r>
+              <a:rPr lang="en-US" dirty="0" err="1" smtClean="0"/>
+              <a:t>out</a:t>
+            </a:r>
+            <a:r>
+              <a:rPr lang="en-US" dirty="0" smtClean="0"/>
+              <a:t> &lt;&lt; “Three”;</a:t>
+            </a:r>
+          </a:p>
+          <a:p>
+            <a:pPr>
+              <a:buNone/>
+            </a:pPr>
+            <a:endParaRPr lang="en-US" dirty="0" smtClean="0"/>
+          </a:p>
+          <a:p>
+            <a:pPr>
+              <a:buNone/>
+            </a:pPr>
+            <a:r>
+              <a:rPr lang="en-US" dirty="0" smtClean="0"/>
+              <a:t>}</a:t>
+            </a:r>
+            <a:endParaRPr lang="en-US" dirty="0"/>
+          </a:p>
+        </p:txBody>
+      </p:sp>
     </p:spTree>
   </p:cSld>
   <p:clrMapOvr>
@@ -4094,7 +4138,7 @@
           <a:p>
             <a:r>
               <a:rPr lang="en-US" dirty="0" smtClean="0"/>
-              <a:t>Software Update Application</a:t>
+              <a:t>Asynchronous (JavaScript) </a:t>
             </a:r>
             <a:endParaRPr lang="en-US" dirty="0"/>
           </a:p>
@@ -4112,13 +4156,131 @@
         </p:nvSpPr>
         <p:spPr/>
         <p:txBody>
-          <a:bodyPr/>
-          <a:lstStyle/>
-          <a:p>
-            <a:r>
-              <a:rPr lang="en-US" dirty="0" smtClean="0"/>
-              <a:t>JavaScript, HTML</a:t>
-            </a:r>
+          <a:bodyPr>
+            <a:normAutofit fontScale="77500" lnSpcReduction="20000"/>
+          </a:bodyPr>
+          <a:lstStyle/>
+          <a:p>
+            <a:pPr>
+              <a:buNone/>
+            </a:pPr>
+            <a:r>
+              <a:rPr lang="en-US" dirty="0" smtClean="0"/>
+              <a:t>Function one(){	// NO STARTING POINT</a:t>
+            </a:r>
+          </a:p>
+          <a:p>
+            <a:pPr>
+              <a:buNone/>
+            </a:pPr>
+            <a:r>
+              <a:rPr lang="en-US" dirty="0" smtClean="0"/>
+              <a:t>	</a:t>
+            </a:r>
+            <a:r>
+              <a:rPr lang="en-US" dirty="0" smtClean="0"/>
+              <a:t>alert(“One”);</a:t>
+            </a:r>
+          </a:p>
+          <a:p>
+            <a:pPr>
+              <a:buNone/>
+            </a:pPr>
+            <a:r>
+              <a:rPr lang="en-US" dirty="0" smtClean="0"/>
+              <a:t>}</a:t>
+            </a:r>
+          </a:p>
+          <a:p>
+            <a:pPr>
+              <a:buNone/>
+            </a:pPr>
+            <a:endParaRPr lang="en-US" dirty="0" smtClean="0"/>
+          </a:p>
+          <a:p>
+            <a:pPr>
+              <a:buNone/>
+            </a:pPr>
+            <a:r>
+              <a:rPr lang="en-US" dirty="0" smtClean="0"/>
+              <a:t>Function </a:t>
+            </a:r>
+            <a:r>
+              <a:rPr lang="en-US" dirty="0" smtClean="0"/>
+              <a:t>two(){</a:t>
+            </a:r>
+            <a:endParaRPr lang="en-US" dirty="0" smtClean="0"/>
+          </a:p>
+          <a:p>
+            <a:pPr>
+              <a:buNone/>
+            </a:pPr>
+            <a:r>
+              <a:rPr lang="en-US" dirty="0" smtClean="0"/>
+              <a:t>	alert</a:t>
+            </a:r>
+            <a:r>
+              <a:rPr lang="en-US" dirty="0" smtClean="0"/>
+              <a:t>(“Two”);</a:t>
+            </a:r>
+            <a:endParaRPr lang="en-US" dirty="0" smtClean="0"/>
+          </a:p>
+          <a:p>
+            <a:pPr>
+              <a:buNone/>
+            </a:pPr>
+            <a:r>
+              <a:rPr lang="en-US" dirty="0" smtClean="0"/>
+              <a:t>}</a:t>
+            </a:r>
+          </a:p>
+          <a:p>
+            <a:pPr>
+              <a:buNone/>
+            </a:pPr>
+            <a:endParaRPr lang="en-US" dirty="0" smtClean="0"/>
+          </a:p>
+          <a:p>
+            <a:pPr>
+              <a:buNone/>
+            </a:pPr>
+            <a:r>
+              <a:rPr lang="en-US" dirty="0" smtClean="0"/>
+              <a:t>Function </a:t>
+            </a:r>
+            <a:r>
+              <a:rPr lang="en-US" dirty="0" smtClean="0"/>
+              <a:t>three(){</a:t>
+            </a:r>
+            <a:endParaRPr lang="en-US" dirty="0" smtClean="0"/>
+          </a:p>
+          <a:p>
+            <a:pPr>
+              <a:buNone/>
+            </a:pPr>
+            <a:r>
+              <a:rPr lang="en-US" dirty="0" smtClean="0"/>
+              <a:t>	alert</a:t>
+            </a:r>
+            <a:r>
+              <a:rPr lang="en-US" dirty="0" smtClean="0"/>
+              <a:t>(“Three”);</a:t>
+            </a:r>
+            <a:endParaRPr lang="en-US" dirty="0" smtClean="0"/>
+          </a:p>
+          <a:p>
+            <a:pPr>
+              <a:buNone/>
+            </a:pPr>
+            <a:r>
+              <a:rPr lang="en-US" dirty="0" smtClean="0"/>
+              <a:t>}</a:t>
+            </a:r>
+          </a:p>
+          <a:p>
+            <a:pPr>
+              <a:buNone/>
+            </a:pPr>
             <a:endParaRPr lang="en-US" dirty="0"/>
           </a:p>
         </p:txBody>
@@ -4170,39 +4332,86 @@
           <a:bodyPr/>
           <a:lstStyle/>
           <a:p>
-            <a:pPr algn="l"/>
-            <a:r>
-              <a:rPr lang="en-US" dirty="0" smtClean="0"/>
-              <a:t>1. Update installation file</a:t>
+            <a:r>
+              <a:rPr lang="en-US" dirty="0" smtClean="0"/>
+              <a:t>Software Download</a:t>
+            </a:r>
+            <a:r>
+              <a:rPr lang="en-US" dirty="0" smtClean="0"/>
+              <a:t> </a:t>
+            </a:r>
+            <a:r>
+              <a:rPr lang="en-US" dirty="0" smtClean="0"/>
+              <a:t>Application</a:t>
             </a:r>
             <a:endParaRPr lang="en-US" dirty="0"/>
           </a:p>
         </p:txBody>
       </p:sp>
-      <p:pic>
-        <p:nvPicPr>
-          <p:cNvPr id="4" name="Picture 3" descr="new.PNG"/>
-          <p:cNvPicPr>
-            <a:picLocks noChangeAspect="1"/>
-          </p:cNvPicPr>
-          <p:nvPr/>
-        </p:nvPicPr>
-        <p:blipFill>
-          <a:blip r:embed="rId2" cstate="print"/>
-          <a:stretch>
-            <a:fillRect/>
-          </a:stretch>
-        </p:blipFill>
-        <p:spPr>
-          <a:xfrm>
-            <a:off x="228600" y="2362200"/>
-            <a:ext cx="8653464" cy="2606134"/>
-          </a:xfrm>
-          <a:prstGeom prst="rect">
-            <a:avLst/>
-          </a:prstGeom>
-        </p:spPr>
-      </p:pic>
+      <p:sp>
+        <p:nvSpPr>
+          <p:cNvPr id="3" name="Content Placeholder 2"/>
+          <p:cNvSpPr>
+            <a:spLocks noGrp="1"/>
+          </p:cNvSpPr>
+          <p:nvPr>
+            <p:ph idx="1"/>
+          </p:nvPr>
+        </p:nvSpPr>
+        <p:spPr/>
+        <p:txBody>
+          <a:bodyPr/>
+          <a:lstStyle/>
+          <a:p>
+            <a:r>
+              <a:rPr lang="en-US" dirty="0" smtClean="0"/>
+              <a:t>JavaScript, </a:t>
+            </a:r>
+            <a:r>
+              <a:rPr lang="en-US" dirty="0" smtClean="0"/>
+              <a:t>HTML</a:t>
+            </a:r>
+          </a:p>
+          <a:p>
+            <a:pPr>
+              <a:buNone/>
+            </a:pPr>
+            <a:endParaRPr lang="en-US" dirty="0" smtClean="0"/>
+          </a:p>
+          <a:p>
+            <a:pPr>
+              <a:buNone/>
+            </a:pPr>
+            <a:r>
+              <a:rPr lang="en-US" b="1" dirty="0" smtClean="0"/>
+              <a:t>What it does: </a:t>
+            </a:r>
+          </a:p>
+          <a:p>
+            <a:pPr marL="514350" indent="-514350">
+              <a:buAutoNum type="arabicPeriod"/>
+            </a:pPr>
+            <a:r>
+              <a:rPr lang="en-US" dirty="0" smtClean="0"/>
+              <a:t>Sets up a server on your computer.</a:t>
+            </a:r>
+          </a:p>
+          <a:p>
+            <a:pPr marL="514350" indent="-514350">
+              <a:buAutoNum type="arabicPeriod"/>
+            </a:pPr>
+            <a:r>
+              <a:rPr lang="en-US" dirty="0" smtClean="0"/>
+              <a:t>U</a:t>
+            </a:r>
+            <a:r>
+              <a:rPr lang="en-US" dirty="0" smtClean="0"/>
+              <a:t>sers from other computers can download files from your computer.</a:t>
+            </a:r>
+            <a:endParaRPr lang="en-US" dirty="0"/>
+          </a:p>
+        </p:txBody>
+      </p:sp>
     </p:spTree>
   </p:cSld>
   <p:clrMapOvr>
@@ -4253,7 +4462,7 @@
             <a:pPr algn="l"/>
             <a:r>
               <a:rPr lang="en-US" dirty="0"/>
-              <a:t>2</a:t>
+              <a:t>1</a:t>
             </a:r>
             <a:r>
               <a:rPr lang="en-US" dirty="0" smtClean="0"/>
@@ -4339,7 +4548,7 @@
             <a:pPr algn="l"/>
             <a:r>
               <a:rPr lang="en-US" dirty="0"/>
-              <a:t>3</a:t>
+              <a:t>2</a:t>
             </a:r>
             <a:r>
               <a:rPr lang="en-US" dirty="0" smtClean="0"/>
@@ -4423,7 +4632,7 @@
             <a:pPr algn="l"/>
             <a:r>
               <a:rPr lang="en-US" dirty="0"/>
-              <a:t>4</a:t>
+              <a:t>3</a:t>
             </a:r>
             <a:r>
               <a:rPr lang="en-US" dirty="0" smtClean="0"/>
@@ -4502,18 +4711,18 @@
         <p:spPr/>
         <p:txBody>
           <a:bodyPr>
-            <a:normAutofit fontScale="90000"/>
+            <a:normAutofit/>
           </a:bodyPr>
           <a:lstStyle/>
           <a:p>
             <a:pPr algn="l"/>
             <a:r>
               <a:rPr lang="en-US" dirty="0"/>
-              <a:t>5</a:t>
-            </a:r>
-            <a:r>
-              <a:rPr lang="en-US" dirty="0" smtClean="0"/>
-              <a:t>. On second computer, run testing script.</a:t>
+              <a:t>4</a:t>
+            </a:r>
+            <a:r>
+              <a:rPr lang="en-US" dirty="0" smtClean="0"/>
+              <a:t>. (On a different computer) </a:t>
             </a:r>
             <a:endParaRPr lang="en-US" dirty="0"/>
           </a:p>

--- a/internPresentation.pptx
+++ b/internPresentation.pptx
@@ -8,18 +8,18 @@
     <p:sldId id="256" r:id="rId2"/>
     <p:sldId id="257" r:id="rId3"/>
     <p:sldId id="272" r:id="rId4"/>
-    <p:sldId id="273" r:id="rId5"/>
-    <p:sldId id="258" r:id="rId6"/>
-    <p:sldId id="259" r:id="rId7"/>
-    <p:sldId id="260" r:id="rId8"/>
-    <p:sldId id="261" r:id="rId9"/>
-    <p:sldId id="262" r:id="rId10"/>
-    <p:sldId id="263" r:id="rId11"/>
-    <p:sldId id="264" r:id="rId12"/>
-    <p:sldId id="267" r:id="rId13"/>
-    <p:sldId id="265" r:id="rId14"/>
-    <p:sldId id="266" r:id="rId15"/>
-    <p:sldId id="269" r:id="rId16"/>
+    <p:sldId id="258" r:id="rId5"/>
+    <p:sldId id="259" r:id="rId6"/>
+    <p:sldId id="260" r:id="rId7"/>
+    <p:sldId id="261" r:id="rId8"/>
+    <p:sldId id="262" r:id="rId9"/>
+    <p:sldId id="263" r:id="rId10"/>
+    <p:sldId id="264" r:id="rId11"/>
+    <p:sldId id="267" r:id="rId12"/>
+    <p:sldId id="265" r:id="rId13"/>
+    <p:sldId id="266" r:id="rId14"/>
+    <p:sldId id="269" r:id="rId15"/>
+    <p:sldId id="273" r:id="rId16"/>
     <p:sldId id="270" r:id="rId17"/>
   </p:sldIdLst>
   <p:sldSz cx="9144000" cy="6858000" type="screen4x3"/>
@@ -304,7 +304,7 @@
             <a:fld id="{7E504A95-3B2C-4009-A260-83DBE585AC55}" type="datetimeFigureOut">
               <a:rPr lang="en-US" smtClean="0"/>
               <a:pPr/>
-              <a:t>8/17/2017</a:t>
+              <a:t>8/21/2017</a:t>
             </a:fld>
             <a:endParaRPr lang="en-US"/>
           </a:p>
@@ -471,7 +471,7 @@
             <a:fld id="{7E504A95-3B2C-4009-A260-83DBE585AC55}" type="datetimeFigureOut">
               <a:rPr lang="en-US" smtClean="0"/>
               <a:pPr/>
-              <a:t>8/17/2017</a:t>
+              <a:t>8/21/2017</a:t>
             </a:fld>
             <a:endParaRPr lang="en-US"/>
           </a:p>
@@ -648,7 +648,7 @@
             <a:fld id="{7E504A95-3B2C-4009-A260-83DBE585AC55}" type="datetimeFigureOut">
               <a:rPr lang="en-US" smtClean="0"/>
               <a:pPr/>
-              <a:t>8/17/2017</a:t>
+              <a:t>8/21/2017</a:t>
             </a:fld>
             <a:endParaRPr lang="en-US"/>
           </a:p>
@@ -815,7 +815,7 @@
             <a:fld id="{7E504A95-3B2C-4009-A260-83DBE585AC55}" type="datetimeFigureOut">
               <a:rPr lang="en-US" smtClean="0"/>
               <a:pPr/>
-              <a:t>8/17/2017</a:t>
+              <a:t>8/21/2017</a:t>
             </a:fld>
             <a:endParaRPr lang="en-US"/>
           </a:p>
@@ -1058,7 +1058,7 @@
             <a:fld id="{7E504A95-3B2C-4009-A260-83DBE585AC55}" type="datetimeFigureOut">
               <a:rPr lang="en-US" smtClean="0"/>
               <a:pPr/>
-              <a:t>8/17/2017</a:t>
+              <a:t>8/21/2017</a:t>
             </a:fld>
             <a:endParaRPr lang="en-US"/>
           </a:p>
@@ -1343,7 +1343,7 @@
             <a:fld id="{7E504A95-3B2C-4009-A260-83DBE585AC55}" type="datetimeFigureOut">
               <a:rPr lang="en-US" smtClean="0"/>
               <a:pPr/>
-              <a:t>8/17/2017</a:t>
+              <a:t>8/21/2017</a:t>
             </a:fld>
             <a:endParaRPr lang="en-US"/>
           </a:p>
@@ -1762,7 +1762,7 @@
             <a:fld id="{7E504A95-3B2C-4009-A260-83DBE585AC55}" type="datetimeFigureOut">
               <a:rPr lang="en-US" smtClean="0"/>
               <a:pPr/>
-              <a:t>8/17/2017</a:t>
+              <a:t>8/21/2017</a:t>
             </a:fld>
             <a:endParaRPr lang="en-US"/>
           </a:p>
@@ -1877,7 +1877,7 @@
             <a:fld id="{7E504A95-3B2C-4009-A260-83DBE585AC55}" type="datetimeFigureOut">
               <a:rPr lang="en-US" smtClean="0"/>
               <a:pPr/>
-              <a:t>8/17/2017</a:t>
+              <a:t>8/21/2017</a:t>
             </a:fld>
             <a:endParaRPr lang="en-US"/>
           </a:p>
@@ -1969,7 +1969,7 @@
             <a:fld id="{7E504A95-3B2C-4009-A260-83DBE585AC55}" type="datetimeFigureOut">
               <a:rPr lang="en-US" smtClean="0"/>
               <a:pPr/>
-              <a:t>8/17/2017</a:t>
+              <a:t>8/21/2017</a:t>
             </a:fld>
             <a:endParaRPr lang="en-US"/>
           </a:p>
@@ -2243,7 +2243,7 @@
             <a:fld id="{7E504A95-3B2C-4009-A260-83DBE585AC55}" type="datetimeFigureOut">
               <a:rPr lang="en-US" smtClean="0"/>
               <a:pPr/>
-              <a:t>8/17/2017</a:t>
+              <a:t>8/21/2017</a:t>
             </a:fld>
             <a:endParaRPr lang="en-US"/>
           </a:p>
@@ -2493,7 +2493,7 @@
             <a:fld id="{7E504A95-3B2C-4009-A260-83DBE585AC55}" type="datetimeFigureOut">
               <a:rPr lang="en-US" smtClean="0"/>
               <a:pPr/>
-              <a:t>8/17/2017</a:t>
+              <a:t>8/21/2017</a:t>
             </a:fld>
             <a:endParaRPr lang="en-US"/>
           </a:p>
@@ -2712,7 +2712,7 @@
             <a:fld id="{7E504A95-3B2C-4009-A260-83DBE585AC55}" type="datetimeFigureOut">
               <a:rPr lang="en-US" smtClean="0"/>
               <a:pPr/>
-              <a:t>8/17/2017</a:t>
+              <a:t>8/21/2017</a:t>
             </a:fld>
             <a:endParaRPr lang="en-US"/>
           </a:p>
@@ -3095,14 +3095,31 @@
         </p:nvSpPr>
         <p:spPr/>
         <p:txBody>
-          <a:bodyPr/>
+          <a:bodyPr>
+            <a:normAutofit fontScale="90000"/>
+          </a:bodyPr>
           <a:lstStyle/>
           <a:p>
             <a:r>
               <a:rPr lang="en-US" dirty="0" smtClean="0"/>
-              <a:t>Internship Presentation 8/22/2017</a:t>
-            </a:r>
-            <a:endParaRPr lang="en-US" dirty="0"/>
+              <a:t>Software Engineering Internship </a:t>
+            </a:r>
+            <a:r>
+              <a:rPr lang="en-US" dirty="0" smtClean="0"/>
+              <a:t>Presentation </a:t>
+            </a:r>
+            <a:r>
+              <a:rPr lang="en-US" dirty="0" smtClean="0"/>
+              <a:t/>
+            </a:r>
+            <a:br>
+              <a:rPr lang="en-US" dirty="0" smtClean="0"/>
+            </a:br>
+            <a:r>
+              <a:rPr lang="en-US" i="1" dirty="0" smtClean="0"/>
+              <a:t>8/22/2017</a:t>
+            </a:r>
+            <a:endParaRPr lang="en-US" i="1" dirty="0"/>
           </a:p>
         </p:txBody>
       </p:sp>
@@ -3145,121 +3162,6 @@
 </file>
 
 <file path=ppt/slides/slide10.xml><?xml version="1.0" encoding="utf-8"?>
-<p:sld xmlns:a="http://schemas.openxmlformats.org/drawingml/2006/main" xmlns:r="http://schemas.openxmlformats.org/officeDocument/2006/relationships" xmlns:p="http://schemas.openxmlformats.org/presentationml/2006/main">
-  <p:cSld>
-    <p:spTree>
-      <p:nvGrpSpPr>
-        <p:cNvPr id="1" name=""/>
-        <p:cNvGrpSpPr/>
-        <p:nvPr/>
-      </p:nvGrpSpPr>
-      <p:grpSpPr>
-        <a:xfrm>
-          <a:off x="0" y="0"/>
-          <a:ext cx="0" cy="0"/>
-          <a:chOff x="0" y="0"/>
-          <a:chExt cx="0" cy="0"/>
-        </a:xfrm>
-      </p:grpSpPr>
-      <p:sp>
-        <p:nvSpPr>
-          <p:cNvPr id="2" name="Title 1"/>
-          <p:cNvSpPr>
-            <a:spLocks noGrp="1"/>
-          </p:cNvSpPr>
-          <p:nvPr>
-            <p:ph type="title"/>
-          </p:nvPr>
-        </p:nvSpPr>
-        <p:spPr/>
-        <p:txBody>
-          <a:bodyPr/>
-          <a:lstStyle/>
-          <a:p>
-            <a:r>
-              <a:rPr lang="en-US" dirty="0" smtClean="0"/>
-              <a:t>Publishing </a:t>
-            </a:r>
-            <a:r>
-              <a:rPr lang="en-US" dirty="0" smtClean="0"/>
-              <a:t>Filter</a:t>
-            </a:r>
-            <a:endParaRPr lang="en-US" dirty="0"/>
-          </a:p>
-        </p:txBody>
-      </p:sp>
-      <p:sp>
-        <p:nvSpPr>
-          <p:cNvPr id="3" name="Content Placeholder 2"/>
-          <p:cNvSpPr>
-            <a:spLocks noGrp="1"/>
-          </p:cNvSpPr>
-          <p:nvPr>
-            <p:ph idx="1"/>
-          </p:nvPr>
-        </p:nvSpPr>
-        <p:spPr/>
-        <p:txBody>
-          <a:bodyPr/>
-          <a:lstStyle/>
-          <a:p>
-            <a:r>
-              <a:rPr lang="en-US" dirty="0" smtClean="0"/>
-              <a:t>JavaScript, </a:t>
-            </a:r>
-            <a:r>
-              <a:rPr lang="en-US" dirty="0" smtClean="0"/>
-              <a:t>HTML</a:t>
-            </a:r>
-          </a:p>
-          <a:p>
-            <a:pPr>
-              <a:buNone/>
-            </a:pPr>
-            <a:endParaRPr lang="en-US" dirty="0" smtClean="0"/>
-          </a:p>
-          <a:p>
-            <a:pPr>
-              <a:buNone/>
-            </a:pPr>
-            <a:r>
-              <a:rPr lang="en-US" b="1" dirty="0" smtClean="0"/>
-              <a:t>What it does:</a:t>
-            </a:r>
-          </a:p>
-          <a:p>
-            <a:pPr marL="514350" indent="-514350">
-              <a:buAutoNum type="arabicPeriod"/>
-            </a:pPr>
-            <a:r>
-              <a:rPr lang="en-US" dirty="0" smtClean="0"/>
-              <a:t>Blocks certain files from being published.</a:t>
-            </a:r>
-          </a:p>
-          <a:p>
-            <a:pPr marL="514350" indent="-514350">
-              <a:buNone/>
-            </a:pPr>
-            <a:endParaRPr lang="en-US" dirty="0"/>
-          </a:p>
-        </p:txBody>
-      </p:sp>
-    </p:spTree>
-  </p:cSld>
-  <p:clrMapOvr>
-    <a:masterClrMapping/>
-  </p:clrMapOvr>
-  <p:timing>
-    <p:tnLst>
-      <p:par>
-        <p:cTn id="1" dur="indefinite" restart="never" nodeType="tmRoot"/>
-      </p:par>
-    </p:tnLst>
-  </p:timing>
-</p:sld>
-</file>
-
-<file path=ppt/slides/slide11.xml><?xml version="1.0" encoding="utf-8"?>
 <p:sld xmlns:a="http://schemas.openxmlformats.org/drawingml/2006/main" xmlns:r="http://schemas.openxmlformats.org/officeDocument/2006/relationships" xmlns:p="http://schemas.openxmlformats.org/presentationml/2006/main">
   <p:cSld>
     <p:spTree>
@@ -3339,7 +3241,7 @@
 </p:sld>
 </file>
 
-<file path=ppt/slides/slide12.xml><?xml version="1.0" encoding="utf-8"?>
+<file path=ppt/slides/slide11.xml><?xml version="1.0" encoding="utf-8"?>
 <p:sld xmlns:a="http://schemas.openxmlformats.org/drawingml/2006/main" xmlns:r="http://schemas.openxmlformats.org/officeDocument/2006/relationships" xmlns:p="http://schemas.openxmlformats.org/presentationml/2006/main">
   <p:cSld>
     <p:spTree>
@@ -3419,7 +3321,7 @@
 </p:sld>
 </file>
 
-<file path=ppt/slides/slide13.xml><?xml version="1.0" encoding="utf-8"?>
+<file path=ppt/slides/slide12.xml><?xml version="1.0" encoding="utf-8"?>
 <p:sld xmlns:a="http://schemas.openxmlformats.org/drawingml/2006/main" xmlns:r="http://schemas.openxmlformats.org/officeDocument/2006/relationships" xmlns:p="http://schemas.openxmlformats.org/presentationml/2006/main">
   <p:cSld>
     <p:spTree>
@@ -3494,6 +3396,132 @@
           <a:xfrm>
             <a:off x="304800" y="5638800"/>
             <a:ext cx="1219200" cy="381000"/>
+          </a:xfrm>
+          <a:prstGeom prst="rect">
+            <a:avLst/>
+          </a:prstGeom>
+          <a:noFill/>
+          <a:ln>
+            <a:solidFill>
+              <a:srgbClr val="FF0000"/>
+            </a:solidFill>
+          </a:ln>
+        </p:spPr>
+        <p:style>
+          <a:lnRef idx="2">
+            <a:schemeClr val="accent1">
+              <a:shade val="50000"/>
+            </a:schemeClr>
+          </a:lnRef>
+          <a:fillRef idx="1">
+            <a:schemeClr val="accent1"/>
+          </a:fillRef>
+          <a:effectRef idx="0">
+            <a:schemeClr val="accent1"/>
+          </a:effectRef>
+          <a:fontRef idx="minor">
+            <a:schemeClr val="lt1"/>
+          </a:fontRef>
+        </p:style>
+        <p:txBody>
+          <a:bodyPr rtlCol="0" anchor="ctr"/>
+          <a:lstStyle/>
+          <a:p>
+            <a:pPr algn="ctr"/>
+            <a:endParaRPr lang="en-US"/>
+          </a:p>
+        </p:txBody>
+      </p:sp>
+    </p:spTree>
+  </p:cSld>
+  <p:clrMapOvr>
+    <a:masterClrMapping/>
+  </p:clrMapOvr>
+  <p:timing>
+    <p:tnLst>
+      <p:par>
+        <p:cTn id="1" dur="indefinite" restart="never" nodeType="tmRoot"/>
+      </p:par>
+    </p:tnLst>
+  </p:timing>
+</p:sld>
+</file>
+
+<file path=ppt/slides/slide13.xml><?xml version="1.0" encoding="utf-8"?>
+<p:sld xmlns:a="http://schemas.openxmlformats.org/drawingml/2006/main" xmlns:r="http://schemas.openxmlformats.org/officeDocument/2006/relationships" xmlns:p="http://schemas.openxmlformats.org/presentationml/2006/main">
+  <p:cSld>
+    <p:spTree>
+      <p:nvGrpSpPr>
+        <p:cNvPr id="1" name=""/>
+        <p:cNvGrpSpPr/>
+        <p:nvPr/>
+      </p:nvGrpSpPr>
+      <p:grpSpPr>
+        <a:xfrm>
+          <a:off x="0" y="0"/>
+          <a:ext cx="0" cy="0"/>
+          <a:chOff x="0" y="0"/>
+          <a:chExt cx="0" cy="0"/>
+        </a:xfrm>
+      </p:grpSpPr>
+      <p:sp>
+        <p:nvSpPr>
+          <p:cNvPr id="2" name="Title 1"/>
+          <p:cNvSpPr>
+            <a:spLocks noGrp="1"/>
+          </p:cNvSpPr>
+          <p:nvPr>
+            <p:ph type="title"/>
+          </p:nvPr>
+        </p:nvSpPr>
+        <p:spPr/>
+        <p:txBody>
+          <a:bodyPr/>
+          <a:lstStyle/>
+          <a:p>
+            <a:pPr algn="l"/>
+            <a:r>
+              <a:rPr lang="en-US" dirty="0" smtClean="0"/>
+              <a:t>4. </a:t>
+            </a:r>
+            <a:endParaRPr lang="en-US" dirty="0"/>
+          </a:p>
+        </p:txBody>
+      </p:sp>
+      <p:pic>
+        <p:nvPicPr>
+          <p:cNvPr id="4" name="Picture 3" descr="4.PNG"/>
+          <p:cNvPicPr>
+            <a:picLocks noChangeAspect="1"/>
+          </p:cNvPicPr>
+          <p:nvPr/>
+        </p:nvPicPr>
+        <p:blipFill>
+          <a:blip r:embed="rId2" cstate="print"/>
+          <a:stretch>
+            <a:fillRect/>
+          </a:stretch>
+        </p:blipFill>
+        <p:spPr>
+          <a:xfrm>
+            <a:off x="183404" y="1676400"/>
+            <a:ext cx="8790283" cy="3652161"/>
+          </a:xfrm>
+          <a:prstGeom prst="rect">
+            <a:avLst/>
+          </a:prstGeom>
+        </p:spPr>
+      </p:pic>
+      <p:sp>
+        <p:nvSpPr>
+          <p:cNvPr id="5" name="Rectangle 4"/>
+          <p:cNvSpPr/>
+          <p:nvPr/>
+        </p:nvSpPr>
+        <p:spPr>
+          <a:xfrm>
+            <a:off x="152400" y="4724400"/>
+            <a:ext cx="1676400" cy="304800"/>
           </a:xfrm>
           <a:prstGeom prst="rect">
             <a:avLst/>
@@ -3577,82 +3605,75 @@
           <a:bodyPr/>
           <a:lstStyle/>
           <a:p>
-            <a:pPr algn="l"/>
             <a:r>
               <a:rPr lang="en-US" dirty="0" smtClean="0"/>
-              <a:t>4. </a:t>
+              <a:t>Acknowledgements</a:t>
             </a:r>
             <a:endParaRPr lang="en-US" dirty="0"/>
           </a:p>
         </p:txBody>
       </p:sp>
-      <p:pic>
-        <p:nvPicPr>
-          <p:cNvPr id="4" name="Picture 3" descr="4.PNG"/>
-          <p:cNvPicPr>
-            <a:picLocks noChangeAspect="1"/>
-          </p:cNvPicPr>
-          <p:nvPr/>
-        </p:nvPicPr>
-        <p:blipFill>
-          <a:blip r:embed="rId2" cstate="print"/>
-          <a:stretch>
-            <a:fillRect/>
-          </a:stretch>
-        </p:blipFill>
-        <p:spPr>
-          <a:xfrm>
-            <a:off x="183404" y="1676400"/>
-            <a:ext cx="8790283" cy="3652161"/>
-          </a:xfrm>
-          <a:prstGeom prst="rect">
-            <a:avLst/>
-          </a:prstGeom>
-        </p:spPr>
-      </p:pic>
-      <p:sp>
-        <p:nvSpPr>
-          <p:cNvPr id="5" name="Rectangle 4"/>
-          <p:cNvSpPr/>
-          <p:nvPr/>
-        </p:nvSpPr>
-        <p:spPr>
-          <a:xfrm>
-            <a:off x="152400" y="4724400"/>
-            <a:ext cx="1676400" cy="304800"/>
-          </a:xfrm>
-          <a:prstGeom prst="rect">
-            <a:avLst/>
-          </a:prstGeom>
-          <a:noFill/>
-          <a:ln>
-            <a:solidFill>
-              <a:srgbClr val="FF0000"/>
-            </a:solidFill>
-          </a:ln>
-        </p:spPr>
-        <p:style>
-          <a:lnRef idx="2">
-            <a:schemeClr val="accent1">
-              <a:shade val="50000"/>
-            </a:schemeClr>
-          </a:lnRef>
-          <a:fillRef idx="1">
-            <a:schemeClr val="accent1"/>
-          </a:fillRef>
-          <a:effectRef idx="0">
-            <a:schemeClr val="accent1"/>
-          </a:effectRef>
-          <a:fontRef idx="minor">
-            <a:schemeClr val="lt1"/>
-          </a:fontRef>
-        </p:style>
-        <p:txBody>
-          <a:bodyPr rtlCol="0" anchor="ctr"/>
-          <a:lstStyle/>
-          <a:p>
-            <a:pPr algn="ctr"/>
-            <a:endParaRPr lang="en-US"/>
+      <p:sp>
+        <p:nvSpPr>
+          <p:cNvPr id="3" name="Content Placeholder 2"/>
+          <p:cNvSpPr>
+            <a:spLocks noGrp="1"/>
+          </p:cNvSpPr>
+          <p:nvPr>
+            <p:ph idx="1"/>
+          </p:nvPr>
+        </p:nvSpPr>
+        <p:spPr/>
+        <p:txBody>
+          <a:bodyPr/>
+          <a:lstStyle/>
+          <a:p>
+            <a:r>
+              <a:rPr lang="en-US" dirty="0" smtClean="0"/>
+              <a:t>Paul </a:t>
+            </a:r>
+            <a:r>
+              <a:rPr lang="en-US" dirty="0" err="1" smtClean="0"/>
+              <a:t>Korn</a:t>
+            </a:r>
+            <a:endParaRPr lang="en-US" dirty="0" smtClean="0"/>
+          </a:p>
+          <a:p>
+            <a:r>
+              <a:rPr lang="en-US" dirty="0" smtClean="0"/>
+              <a:t>Shiv Peparthi, Dan Liu</a:t>
+            </a:r>
+          </a:p>
+          <a:p>
+            <a:r>
+              <a:rPr lang="en-US" dirty="0" smtClean="0"/>
+              <a:t>Natarajan Subramanian</a:t>
+            </a:r>
+          </a:p>
+          <a:p>
+            <a:r>
+              <a:rPr lang="en-US" dirty="0" smtClean="0"/>
+              <a:t>Clement Lan</a:t>
+            </a:r>
+          </a:p>
+          <a:p>
+            <a:r>
+              <a:rPr lang="en-US" dirty="0" smtClean="0"/>
+              <a:t>Monty Virdi</a:t>
+            </a:r>
+          </a:p>
+          <a:p>
+            <a:r>
+              <a:rPr lang="en-US" dirty="0" smtClean="0"/>
+              <a:t>Evelyn Lara Lopez</a:t>
+            </a:r>
+          </a:p>
+          <a:p>
+            <a:r>
+              <a:rPr lang="en-US" dirty="0" smtClean="0"/>
+              <a:t>Summer Interns</a:t>
+            </a:r>
+            <a:endParaRPr lang="en-US" dirty="0"/>
           </a:p>
         </p:txBody>
       </p:sp>
@@ -3705,7 +3726,7 @@
           <a:p>
             <a:r>
               <a:rPr lang="en-US" dirty="0" smtClean="0"/>
-              <a:t>Acknowledgements</a:t>
+              <a:t>Pros/Suggestions</a:t>
             </a:r>
             <a:endParaRPr lang="en-US" dirty="0"/>
           </a:p>
@@ -3721,62 +3742,77 @@
             <p:ph idx="1"/>
           </p:nvPr>
         </p:nvSpPr>
-        <p:spPr/>
-        <p:txBody>
-          <a:bodyPr/>
-          <a:lstStyle/>
-          <a:p>
+        <p:spPr>
+          <a:xfrm>
+            <a:off x="457200" y="1371600"/>
+            <a:ext cx="8229600" cy="4754563"/>
+          </a:xfrm>
+        </p:spPr>
+        <p:txBody>
+          <a:bodyPr/>
+          <a:lstStyle/>
+          <a:p>
+            <a:pPr>
+              <a:buNone/>
+            </a:pPr>
             <a:r>
               <a:rPr lang="en-US" dirty="0" smtClean="0"/>
-              <a:t>Paul </a:t>
-            </a:r>
-            <a:r>
-              <a:rPr lang="en-US" dirty="0" err="1" smtClean="0"/>
-              <a:t>Korn</a:t>
-            </a:r>
+              <a:t>Pros:</a:t>
+            </a:r>
+          </a:p>
+          <a:p>
+            <a:pPr>
+              <a:buFontTx/>
+              <a:buChar char="-"/>
+            </a:pPr>
+            <a:r>
+              <a:rPr lang="en-US" dirty="0" smtClean="0"/>
+              <a:t>Gained a lot of JavaScript experience</a:t>
+            </a:r>
+          </a:p>
+          <a:p>
+            <a:pPr>
+              <a:buFontTx/>
+              <a:buChar char="-"/>
+            </a:pPr>
+            <a:r>
+              <a:rPr lang="en-US" dirty="0" smtClean="0"/>
+              <a:t>Made a lot of connections</a:t>
+            </a:r>
+          </a:p>
+          <a:p>
+            <a:pPr>
+              <a:buFontTx/>
+              <a:buChar char="-"/>
+            </a:pPr>
+            <a:r>
+              <a:rPr lang="en-US" dirty="0" smtClean="0"/>
+              <a:t>Was fun</a:t>
+            </a:r>
+          </a:p>
+          <a:p>
+            <a:pPr>
+              <a:buNone/>
+            </a:pPr>
             <a:endParaRPr lang="en-US" dirty="0" smtClean="0"/>
           </a:p>
           <a:p>
+            <a:pPr>
+              <a:buNone/>
+            </a:pPr>
             <a:r>
               <a:rPr lang="en-US" dirty="0" smtClean="0"/>
-              <a:t>Shiv </a:t>
-            </a:r>
+              <a:t>Suggestions:</a:t>
+            </a:r>
+          </a:p>
+          <a:p>
+            <a:pPr>
+              <a:buNone/>
+            </a:pPr>
             <a:r>
               <a:rPr lang="en-US" dirty="0" smtClean="0"/>
-              <a:t>Peparthi, Dan Liu</a:t>
-            </a:r>
-            <a:endParaRPr lang="en-US" dirty="0" smtClean="0"/>
-          </a:p>
-          <a:p>
-            <a:r>
-              <a:rPr lang="en-US" dirty="0" smtClean="0"/>
-              <a:t>Natarajan Subramanian</a:t>
-            </a:r>
-          </a:p>
-          <a:p>
-            <a:r>
-              <a:rPr lang="en-US" dirty="0" smtClean="0"/>
-              <a:t>Clement Lan</a:t>
-            </a:r>
-          </a:p>
-          <a:p>
-            <a:r>
-              <a:rPr lang="en-US" dirty="0" smtClean="0"/>
-              <a:t>Monty Virdi</a:t>
-            </a:r>
-          </a:p>
-          <a:p>
-            <a:r>
-              <a:rPr lang="en-US" dirty="0" smtClean="0"/>
-              <a:t>Evelyn Lara Lopez</a:t>
-            </a:r>
-          </a:p>
-          <a:p>
-            <a:r>
-              <a:rPr lang="en-US" dirty="0" smtClean="0"/>
-              <a:t>Summer Interns</a:t>
-            </a:r>
-            <a:endParaRPr lang="en-US" dirty="0"/>
+              <a:t>- </a:t>
+            </a:r>
           </a:p>
         </p:txBody>
       </p:sp>
@@ -3822,18 +3858,19 @@
             <p:ph type="title"/>
           </p:nvPr>
         </p:nvSpPr>
-        <p:spPr/>
+        <p:spPr>
+          <a:xfrm>
+            <a:off x="457200" y="2743200"/>
+            <a:ext cx="8229600" cy="1143000"/>
+          </a:xfrm>
+        </p:spPr>
         <p:txBody>
           <a:bodyPr/>
           <a:lstStyle/>
           <a:p>
             <a:r>
               <a:rPr lang="en-US" dirty="0" smtClean="0"/>
-              <a:t>Thank </a:t>
-            </a:r>
-            <a:r>
-              <a:rPr lang="en-US" dirty="0" smtClean="0"/>
-              <a:t>You!</a:t>
+              <a:t>Thank You!</a:t>
             </a:r>
             <a:endParaRPr lang="en-US" dirty="0"/>
           </a:p>
@@ -3960,51 +3997,64 @@
             <p:ph type="title"/>
           </p:nvPr>
         </p:nvSpPr>
-        <p:spPr/>
-        <p:txBody>
-          <a:bodyPr/>
-          <a:lstStyle/>
-          <a:p>
-            <a:r>
-              <a:rPr lang="en-US" dirty="0" smtClean="0"/>
-              <a:t>Synchronous (C++)</a:t>
-            </a:r>
-            <a:endParaRPr lang="en-US" dirty="0"/>
-          </a:p>
-        </p:txBody>
-      </p:sp>
-      <p:sp>
-        <p:nvSpPr>
-          <p:cNvPr id="3" name="Content Placeholder 2"/>
-          <p:cNvSpPr>
-            <a:spLocks noGrp="1"/>
-          </p:cNvSpPr>
-          <p:nvPr>
-            <p:ph idx="1"/>
-          </p:nvPr>
-        </p:nvSpPr>
-        <p:spPr/>
+        <p:spPr>
+          <a:xfrm>
+            <a:off x="4495800" y="228600"/>
+            <a:ext cx="4267200" cy="1143000"/>
+          </a:xfrm>
+        </p:spPr>
         <p:txBody>
           <a:bodyPr>
             <a:normAutofit/>
           </a:bodyPr>
           <a:lstStyle/>
           <a:p>
+            <a:r>
+              <a:rPr lang="en-US" sz="4000" b="1" dirty="0" smtClean="0"/>
+              <a:t>Asynchronous </a:t>
+            </a:r>
+            <a:endParaRPr lang="en-US" sz="4000" b="1" dirty="0"/>
+          </a:p>
+        </p:txBody>
+      </p:sp>
+      <p:sp>
+        <p:nvSpPr>
+          <p:cNvPr id="3" name="Content Placeholder 2"/>
+          <p:cNvSpPr>
+            <a:spLocks noGrp="1"/>
+          </p:cNvSpPr>
+          <p:nvPr>
+            <p:ph idx="1"/>
+          </p:nvPr>
+        </p:nvSpPr>
+        <p:spPr>
+          <a:xfrm>
+            <a:off x="457200" y="1600200"/>
+            <a:ext cx="4114800" cy="4525963"/>
+          </a:xfrm>
+        </p:spPr>
+        <p:txBody>
+          <a:bodyPr>
+            <a:normAutofit/>
+          </a:bodyPr>
+          <a:lstStyle/>
+          <a:p>
             <a:pPr>
               <a:buNone/>
             </a:pPr>
             <a:r>
               <a:rPr lang="en-US" dirty="0" err="1" smtClean="0"/>
-              <a:t>i</a:t>
-            </a:r>
-            <a:r>
-              <a:rPr lang="en-US" dirty="0" err="1" smtClean="0"/>
-              <a:t>nt</a:t>
+              <a:t>int</a:t>
             </a:r>
             <a:r>
               <a:rPr lang="en-US" dirty="0" smtClean="0"/>
-              <a:t> main() { 	// STARTS HERE</a:t>
-            </a:r>
+              <a:t> main() </a:t>
+            </a:r>
+            <a:r>
+              <a:rPr lang="en-US" dirty="0" smtClean="0"/>
+              <a:t>{</a:t>
+            </a:r>
+            <a:endParaRPr lang="en-US" dirty="0" smtClean="0"/>
           </a:p>
           <a:p>
             <a:pPr>
@@ -4039,11 +4089,7 @@
             </a:r>
             <a:r>
               <a:rPr lang="en-US" dirty="0" err="1" smtClean="0"/>
-              <a:t>c</a:t>
-            </a:r>
-            <a:r>
-              <a:rPr lang="en-US" dirty="0" err="1" smtClean="0"/>
-              <a:t>out</a:t>
+              <a:t>cout</a:t>
             </a:r>
             <a:r>
               <a:rPr lang="en-US" dirty="0" smtClean="0"/>
@@ -4060,11 +4106,7 @@
             </a:r>
             <a:r>
               <a:rPr lang="en-US" dirty="0" err="1" smtClean="0"/>
-              <a:t>c</a:t>
-            </a:r>
-            <a:r>
-              <a:rPr lang="en-US" dirty="0" err="1" smtClean="0"/>
-              <a:t>out</a:t>
+              <a:t>cout</a:t>
             </a:r>
             <a:r>
               <a:rPr lang="en-US" dirty="0" smtClean="0"/>
@@ -4089,6 +4131,244 @@
           </a:p>
         </p:txBody>
       </p:sp>
+      <p:sp>
+        <p:nvSpPr>
+          <p:cNvPr id="4" name="Content Placeholder 2"/>
+          <p:cNvSpPr txBox="1">
+            <a:spLocks/>
+          </p:cNvSpPr>
+          <p:nvPr/>
+        </p:nvSpPr>
+        <p:spPr>
+          <a:xfrm>
+            <a:off x="4572000" y="1600200"/>
+            <a:ext cx="4114800" cy="4525963"/>
+          </a:xfrm>
+          <a:prstGeom prst="rect">
+            <a:avLst/>
+          </a:prstGeom>
+        </p:spPr>
+        <p:txBody>
+          <a:bodyPr vert="horz" lIns="91440" tIns="45720" rIns="91440" bIns="45720" rtlCol="0">
+            <a:normAutofit fontScale="92500" lnSpcReduction="20000"/>
+          </a:bodyPr>
+          <a:lstStyle/>
+          <a:p>
+            <a:pPr>
+              <a:buNone/>
+            </a:pPr>
+            <a:r>
+              <a:rPr lang="en-US" sz="3200" dirty="0" smtClean="0"/>
+              <a:t>function </a:t>
+            </a:r>
+            <a:r>
+              <a:rPr lang="en-US" sz="3200" dirty="0" smtClean="0"/>
+              <a:t>one</a:t>
+            </a:r>
+            <a:r>
+              <a:rPr lang="en-US" sz="3200" dirty="0" smtClean="0"/>
+              <a:t>(){</a:t>
+            </a:r>
+            <a:endParaRPr lang="en-US" sz="3200" dirty="0" smtClean="0"/>
+          </a:p>
+          <a:p>
+            <a:pPr>
+              <a:buNone/>
+            </a:pPr>
+            <a:r>
+              <a:rPr lang="en-US" sz="3200" dirty="0" smtClean="0"/>
+              <a:t>	alert(“One”);</a:t>
+            </a:r>
+          </a:p>
+          <a:p>
+            <a:pPr>
+              <a:buNone/>
+            </a:pPr>
+            <a:r>
+              <a:rPr lang="en-US" sz="3200" dirty="0" smtClean="0"/>
+              <a:t>}</a:t>
+            </a:r>
+          </a:p>
+          <a:p>
+            <a:pPr>
+              <a:buNone/>
+            </a:pPr>
+            <a:endParaRPr lang="en-US" sz="3200" dirty="0" smtClean="0"/>
+          </a:p>
+          <a:p>
+            <a:pPr>
+              <a:buNone/>
+            </a:pPr>
+            <a:r>
+              <a:rPr lang="en-US" sz="3200" dirty="0" smtClean="0"/>
+              <a:t>function </a:t>
+            </a:r>
+            <a:r>
+              <a:rPr lang="en-US" sz="3200" dirty="0" smtClean="0"/>
+              <a:t>two(){</a:t>
+            </a:r>
+          </a:p>
+          <a:p>
+            <a:pPr>
+              <a:buNone/>
+            </a:pPr>
+            <a:r>
+              <a:rPr lang="en-US" sz="3200" dirty="0" smtClean="0"/>
+              <a:t>	alert(“Two”);</a:t>
+            </a:r>
+          </a:p>
+          <a:p>
+            <a:pPr>
+              <a:buNone/>
+            </a:pPr>
+            <a:r>
+              <a:rPr lang="en-US" sz="3200" dirty="0" smtClean="0"/>
+              <a:t>}</a:t>
+            </a:r>
+          </a:p>
+          <a:p>
+            <a:pPr>
+              <a:buNone/>
+            </a:pPr>
+            <a:endParaRPr lang="en-US" sz="3200" dirty="0" smtClean="0"/>
+          </a:p>
+          <a:p>
+            <a:pPr>
+              <a:buNone/>
+            </a:pPr>
+            <a:r>
+              <a:rPr lang="en-US" sz="3200" dirty="0" smtClean="0"/>
+              <a:t>function </a:t>
+            </a:r>
+            <a:r>
+              <a:rPr lang="en-US" sz="3200" dirty="0" smtClean="0"/>
+              <a:t>three(){</a:t>
+            </a:r>
+          </a:p>
+          <a:p>
+            <a:pPr>
+              <a:buNone/>
+            </a:pPr>
+            <a:r>
+              <a:rPr lang="en-US" sz="3200" dirty="0" smtClean="0"/>
+              <a:t>	alert(“Three”);</a:t>
+            </a:r>
+          </a:p>
+          <a:p>
+            <a:pPr>
+              <a:buNone/>
+            </a:pPr>
+            <a:r>
+              <a:rPr lang="en-US" sz="3200" dirty="0" smtClean="0"/>
+              <a:t>}</a:t>
+            </a:r>
+          </a:p>
+        </p:txBody>
+      </p:sp>
+      <p:sp>
+        <p:nvSpPr>
+          <p:cNvPr id="5" name="Title 1"/>
+          <p:cNvSpPr txBox="1">
+            <a:spLocks/>
+          </p:cNvSpPr>
+          <p:nvPr/>
+        </p:nvSpPr>
+        <p:spPr>
+          <a:xfrm>
+            <a:off x="457200" y="228600"/>
+            <a:ext cx="3733800" cy="1143000"/>
+          </a:xfrm>
+          <a:prstGeom prst="rect">
+            <a:avLst/>
+          </a:prstGeom>
+        </p:spPr>
+        <p:txBody>
+          <a:bodyPr vert="horz" lIns="91440" tIns="45720" rIns="91440" bIns="45720" rtlCol="0" anchor="ctr">
+            <a:normAutofit/>
+          </a:bodyPr>
+          <a:lstStyle/>
+          <a:p>
+            <a:pPr marL="0" marR="0" lvl="0" indent="0" algn="ctr" defTabSz="914400" rtl="0" eaLnBrk="1" fontAlgn="auto" latinLnBrk="0" hangingPunct="1">
+              <a:lnSpc>
+                <a:spcPct val="100000"/>
+              </a:lnSpc>
+              <a:spcBef>
+                <a:spcPct val="0"/>
+              </a:spcBef>
+              <a:spcAft>
+                <a:spcPts val="0"/>
+              </a:spcAft>
+              <a:buClrTx/>
+              <a:buSzTx/>
+              <a:buFontTx/>
+              <a:buNone/>
+              <a:tabLst/>
+              <a:defRPr/>
+            </a:pPr>
+            <a:r>
+              <a:rPr kumimoji="0" lang="en-US" sz="4000" b="1" i="0" u="none" strike="noStrike" kern="1200" cap="none" spc="0" normalizeH="0" baseline="0" noProof="0" dirty="0" smtClean="0">
+                <a:ln>
+                  <a:noFill/>
+                </a:ln>
+                <a:solidFill>
+                  <a:schemeClr val="tx1"/>
+                </a:solidFill>
+                <a:effectLst/>
+                <a:uLnTx/>
+                <a:uFillTx/>
+                <a:latin typeface="+mj-lt"/>
+                <a:ea typeface="+mj-ea"/>
+                <a:cs typeface="+mj-cs"/>
+              </a:rPr>
+              <a:t>Synchronous</a:t>
+            </a:r>
+            <a:endParaRPr kumimoji="0" lang="en-US" sz="4000" b="1" i="0" u="none" strike="noStrike" kern="1200" cap="none" spc="0" normalizeH="0" baseline="0" noProof="0" dirty="0">
+              <a:ln>
+                <a:noFill/>
+              </a:ln>
+              <a:solidFill>
+                <a:schemeClr val="tx1"/>
+              </a:solidFill>
+              <a:effectLst/>
+              <a:uLnTx/>
+              <a:uFillTx/>
+              <a:latin typeface="+mj-lt"/>
+              <a:ea typeface="+mj-ea"/>
+              <a:cs typeface="+mj-cs"/>
+            </a:endParaRPr>
+          </a:p>
+        </p:txBody>
+      </p:sp>
+      <p:cxnSp>
+        <p:nvCxnSpPr>
+          <p:cNvPr id="7" name="Straight Connector 6"/>
+          <p:cNvCxnSpPr/>
+          <p:nvPr/>
+        </p:nvCxnSpPr>
+        <p:spPr>
+          <a:xfrm>
+            <a:off x="4419600" y="0"/>
+            <a:ext cx="0" cy="6858000"/>
+          </a:xfrm>
+          <a:prstGeom prst="line">
+            <a:avLst/>
+          </a:prstGeom>
+        </p:spPr>
+        <p:style>
+          <a:lnRef idx="1">
+            <a:schemeClr val="accent1"/>
+          </a:lnRef>
+          <a:fillRef idx="0">
+            <a:schemeClr val="accent1"/>
+          </a:fillRef>
+          <a:effectRef idx="0">
+            <a:schemeClr val="accent1"/>
+          </a:effectRef>
+          <a:fontRef idx="minor">
+            <a:schemeClr val="tx1"/>
+          </a:fontRef>
+        </p:style>
+      </p:cxnSp>
     </p:spTree>
   </p:cSld>
   <p:clrMapOvr>
@@ -4138,7 +4418,7 @@
           <a:p>
             <a:r>
               <a:rPr lang="en-US" dirty="0" smtClean="0"/>
-              <a:t>Asynchronous (JavaScript) </a:t>
+              <a:t>Software Download Application</a:t>
             </a:r>
             <a:endParaRPr lang="en-US" dirty="0"/>
           </a:p>
@@ -4156,39 +4436,12 @@
         </p:nvSpPr>
         <p:spPr/>
         <p:txBody>
-          <a:bodyPr>
-            <a:normAutofit fontScale="77500" lnSpcReduction="20000"/>
-          </a:bodyPr>
-          <a:lstStyle/>
-          <a:p>
-            <a:pPr>
-              <a:buNone/>
-            </a:pPr>
+          <a:bodyPr/>
+          <a:lstStyle/>
+          <a:p>
             <a:r>
               <a:rPr lang="en-US" dirty="0" smtClean="0"/>
-              <a:t>Function one(){	// NO STARTING POINT</a:t>
-            </a:r>
-          </a:p>
-          <a:p>
-            <a:pPr>
-              <a:buNone/>
-            </a:pPr>
-            <a:r>
-              <a:rPr lang="en-US" dirty="0" smtClean="0"/>
-              <a:t>	</a:t>
-            </a:r>
-            <a:r>
-              <a:rPr lang="en-US" dirty="0" smtClean="0"/>
-              <a:t>alert(“One”);</a:t>
-            </a:r>
-          </a:p>
-          <a:p>
-            <a:pPr>
-              <a:buNone/>
-            </a:pPr>
-            <a:r>
-              <a:rPr lang="en-US" dirty="0" smtClean="0"/>
-              <a:t>}</a:t>
+              <a:t>JavaScript, HTML</a:t>
             </a:r>
           </a:p>
           <a:p>
@@ -4202,85 +4455,27 @@
               <a:buNone/>
             </a:pPr>
             <a:r>
+              <a:rPr lang="en-US" b="1" dirty="0" smtClean="0"/>
+              <a:t>What it does: </a:t>
+            </a:r>
+          </a:p>
+          <a:p>
+            <a:pPr marL="514350" indent="-514350">
+              <a:buAutoNum type="arabicPeriod"/>
+            </a:pPr>
+            <a:r>
               <a:rPr lang="en-US" dirty="0" smtClean="0"/>
-              <a:t>Function </a:t>
-            </a:r>
+              <a:t>Sets up a server on your computer.</a:t>
+            </a:r>
+          </a:p>
+          <a:p>
+            <a:pPr marL="514350" indent="-514350">
+              <a:buAutoNum type="arabicPeriod"/>
+            </a:pPr>
             <a:r>
               <a:rPr lang="en-US" dirty="0" smtClean="0"/>
-              <a:t>two(){</a:t>
-            </a:r>
-            <a:endParaRPr lang="en-US" dirty="0" smtClean="0"/>
-          </a:p>
-          <a:p>
-            <a:pPr>
-              <a:buNone/>
-            </a:pPr>
-            <a:r>
-              <a:rPr lang="en-US" dirty="0" smtClean="0"/>
-              <a:t>	alert</a:t>
-            </a:r>
-            <a:r>
-              <a:rPr lang="en-US" dirty="0" smtClean="0"/>
-              <a:t>(“Two”);</a:t>
-            </a:r>
-            <a:endParaRPr lang="en-US" dirty="0" smtClean="0"/>
-          </a:p>
-          <a:p>
-            <a:pPr>
-              <a:buNone/>
-            </a:pPr>
-            <a:r>
-              <a:rPr lang="en-US" dirty="0" smtClean="0"/>
-              <a:t>}</a:t>
-            </a:r>
-          </a:p>
-          <a:p>
-            <a:pPr>
-              <a:buNone/>
-            </a:pPr>
-            <a:endParaRPr lang="en-US" dirty="0" smtClean="0"/>
-          </a:p>
-          <a:p>
-            <a:pPr>
-              <a:buNone/>
-            </a:pPr>
-            <a:r>
-              <a:rPr lang="en-US" dirty="0" smtClean="0"/>
-              <a:t>Function </a:t>
-            </a:r>
-            <a:r>
-              <a:rPr lang="en-US" dirty="0" smtClean="0"/>
-              <a:t>three(){</a:t>
-            </a:r>
-            <a:endParaRPr lang="en-US" dirty="0" smtClean="0"/>
-          </a:p>
-          <a:p>
-            <a:pPr>
-              <a:buNone/>
-            </a:pPr>
-            <a:r>
-              <a:rPr lang="en-US" dirty="0" smtClean="0"/>
-              <a:t>	alert</a:t>
-            </a:r>
-            <a:r>
-              <a:rPr lang="en-US" dirty="0" smtClean="0"/>
-              <a:t>(“Three”);</a:t>
-            </a:r>
-            <a:endParaRPr lang="en-US" dirty="0" smtClean="0"/>
-          </a:p>
-          <a:p>
-            <a:pPr>
-              <a:buNone/>
-            </a:pPr>
-            <a:r>
-              <a:rPr lang="en-US" dirty="0" smtClean="0"/>
-              <a:t>}</a:t>
-            </a:r>
-          </a:p>
-          <a:p>
-            <a:pPr>
-              <a:buNone/>
-            </a:pPr>
+              <a:t>Users from other computers can download files from your computer.</a:t>
+            </a:r>
             <a:endParaRPr lang="en-US" dirty="0"/>
           </a:p>
         </p:txBody>
@@ -4301,133 +4496,6 @@
 </file>
 
 <file path=ppt/slides/slide5.xml><?xml version="1.0" encoding="utf-8"?>
-<p:sld xmlns:a="http://schemas.openxmlformats.org/drawingml/2006/main" xmlns:r="http://schemas.openxmlformats.org/officeDocument/2006/relationships" xmlns:p="http://schemas.openxmlformats.org/presentationml/2006/main">
-  <p:cSld>
-    <p:spTree>
-      <p:nvGrpSpPr>
-        <p:cNvPr id="1" name=""/>
-        <p:cNvGrpSpPr/>
-        <p:nvPr/>
-      </p:nvGrpSpPr>
-      <p:grpSpPr>
-        <a:xfrm>
-          <a:off x="0" y="0"/>
-          <a:ext cx="0" cy="0"/>
-          <a:chOff x="0" y="0"/>
-          <a:chExt cx="0" cy="0"/>
-        </a:xfrm>
-      </p:grpSpPr>
-      <p:sp>
-        <p:nvSpPr>
-          <p:cNvPr id="2" name="Title 1"/>
-          <p:cNvSpPr>
-            <a:spLocks noGrp="1"/>
-          </p:cNvSpPr>
-          <p:nvPr>
-            <p:ph type="title"/>
-          </p:nvPr>
-        </p:nvSpPr>
-        <p:spPr/>
-        <p:txBody>
-          <a:bodyPr/>
-          <a:lstStyle/>
-          <a:p>
-            <a:r>
-              <a:rPr lang="en-US" dirty="0" smtClean="0"/>
-              <a:t>Software Download</a:t>
-            </a:r>
-            <a:r>
-              <a:rPr lang="en-US" dirty="0" smtClean="0"/>
-              <a:t> </a:t>
-            </a:r>
-            <a:r>
-              <a:rPr lang="en-US" dirty="0" smtClean="0"/>
-              <a:t>Application</a:t>
-            </a:r>
-            <a:endParaRPr lang="en-US" dirty="0"/>
-          </a:p>
-        </p:txBody>
-      </p:sp>
-      <p:sp>
-        <p:nvSpPr>
-          <p:cNvPr id="3" name="Content Placeholder 2"/>
-          <p:cNvSpPr>
-            <a:spLocks noGrp="1"/>
-          </p:cNvSpPr>
-          <p:nvPr>
-            <p:ph idx="1"/>
-          </p:nvPr>
-        </p:nvSpPr>
-        <p:spPr/>
-        <p:txBody>
-          <a:bodyPr/>
-          <a:lstStyle/>
-          <a:p>
-            <a:r>
-              <a:rPr lang="en-US" dirty="0" smtClean="0"/>
-              <a:t>JavaScript, </a:t>
-            </a:r>
-            <a:r>
-              <a:rPr lang="en-US" dirty="0" smtClean="0"/>
-              <a:t>HTML</a:t>
-            </a:r>
-          </a:p>
-          <a:p>
-            <a:pPr>
-              <a:buNone/>
-            </a:pPr>
-            <a:endParaRPr lang="en-US" dirty="0" smtClean="0"/>
-          </a:p>
-          <a:p>
-            <a:pPr>
-              <a:buNone/>
-            </a:pPr>
-            <a:r>
-              <a:rPr lang="en-US" b="1" dirty="0" smtClean="0"/>
-              <a:t>What it does: </a:t>
-            </a:r>
-          </a:p>
-          <a:p>
-            <a:pPr marL="514350" indent="-514350">
-              <a:buAutoNum type="arabicPeriod"/>
-            </a:pPr>
-            <a:r>
-              <a:rPr lang="en-US" dirty="0" smtClean="0"/>
-              <a:t>Sets up a server on your computer.</a:t>
-            </a:r>
-          </a:p>
-          <a:p>
-            <a:pPr marL="514350" indent="-514350">
-              <a:buAutoNum type="arabicPeriod"/>
-            </a:pPr>
-            <a:r>
-              <a:rPr lang="en-US" dirty="0" smtClean="0"/>
-              <a:t>U</a:t>
-            </a:r>
-            <a:r>
-              <a:rPr lang="en-US" dirty="0" smtClean="0"/>
-              <a:t>sers from other computers can download files from your computer.</a:t>
-            </a:r>
-            <a:endParaRPr lang="en-US" dirty="0"/>
-          </a:p>
-        </p:txBody>
-      </p:sp>
-    </p:spTree>
-  </p:cSld>
-  <p:clrMapOvr>
-    <a:masterClrMapping/>
-  </p:clrMapOvr>
-  <p:timing>
-    <p:tnLst>
-      <p:par>
-        <p:cTn id="1" dur="indefinite" restart="never" nodeType="tmRoot"/>
-      </p:par>
-    </p:tnLst>
-  </p:timing>
-</p:sld>
-</file>
-
-<file path=ppt/slides/slide6.xml><?xml version="1.0" encoding="utf-8"?>
 <p:sld xmlns:a="http://schemas.openxmlformats.org/drawingml/2006/main" xmlns:r="http://schemas.openxmlformats.org/officeDocument/2006/relationships" xmlns:p="http://schemas.openxmlformats.org/presentationml/2006/main">
   <p:cSld>
     <p:spTree>
@@ -4511,7 +4579,7 @@
 </p:sld>
 </file>
 
-<file path=ppt/slides/slide7.xml><?xml version="1.0" encoding="utf-8"?>
+<file path=ppt/slides/slide6.xml><?xml version="1.0" encoding="utf-8"?>
 <p:sld xmlns:a="http://schemas.openxmlformats.org/drawingml/2006/main" xmlns:r="http://schemas.openxmlformats.org/officeDocument/2006/relationships" xmlns:p="http://schemas.openxmlformats.org/presentationml/2006/main">
   <p:cSld>
     <p:spTree>
@@ -4597,7 +4665,7 @@
 </p:sld>
 </file>
 
-<file path=ppt/slides/slide8.xml><?xml version="1.0" encoding="utf-8"?>
+<file path=ppt/slides/slide7.xml><?xml version="1.0" encoding="utf-8"?>
 <p:sld xmlns:a="http://schemas.openxmlformats.org/drawingml/2006/main" xmlns:r="http://schemas.openxmlformats.org/officeDocument/2006/relationships" xmlns:p="http://schemas.openxmlformats.org/presentationml/2006/main">
   <p:cSld>
     <p:spTree>
@@ -4681,7 +4749,7 @@
 </p:sld>
 </file>
 
-<file path=ppt/slides/slide9.xml><?xml version="1.0" encoding="utf-8"?>
+<file path=ppt/slides/slide8.xml><?xml version="1.0" encoding="utf-8"?>
 <p:sld xmlns:a="http://schemas.openxmlformats.org/drawingml/2006/main" xmlns:r="http://schemas.openxmlformats.org/officeDocument/2006/relationships" xmlns:p="http://schemas.openxmlformats.org/presentationml/2006/main">
   <p:cSld>
     <p:spTree>
@@ -4841,6 +4909,113 @@
           <a:p>
             <a:pPr algn="ctr"/>
             <a:endParaRPr lang="en-US"/>
+          </a:p>
+        </p:txBody>
+      </p:sp>
+    </p:spTree>
+  </p:cSld>
+  <p:clrMapOvr>
+    <a:masterClrMapping/>
+  </p:clrMapOvr>
+  <p:timing>
+    <p:tnLst>
+      <p:par>
+        <p:cTn id="1" dur="indefinite" restart="never" nodeType="tmRoot"/>
+      </p:par>
+    </p:tnLst>
+  </p:timing>
+</p:sld>
+</file>
+
+<file path=ppt/slides/slide9.xml><?xml version="1.0" encoding="utf-8"?>
+<p:sld xmlns:a="http://schemas.openxmlformats.org/drawingml/2006/main" xmlns:r="http://schemas.openxmlformats.org/officeDocument/2006/relationships" xmlns:p="http://schemas.openxmlformats.org/presentationml/2006/main">
+  <p:cSld>
+    <p:spTree>
+      <p:nvGrpSpPr>
+        <p:cNvPr id="1" name=""/>
+        <p:cNvGrpSpPr/>
+        <p:nvPr/>
+      </p:nvGrpSpPr>
+      <p:grpSpPr>
+        <a:xfrm>
+          <a:off x="0" y="0"/>
+          <a:ext cx="0" cy="0"/>
+          <a:chOff x="0" y="0"/>
+          <a:chExt cx="0" cy="0"/>
+        </a:xfrm>
+      </p:grpSpPr>
+      <p:sp>
+        <p:nvSpPr>
+          <p:cNvPr id="2" name="Title 1"/>
+          <p:cNvSpPr>
+            <a:spLocks noGrp="1"/>
+          </p:cNvSpPr>
+          <p:nvPr>
+            <p:ph type="title"/>
+          </p:nvPr>
+        </p:nvSpPr>
+        <p:spPr/>
+        <p:txBody>
+          <a:bodyPr/>
+          <a:lstStyle/>
+          <a:p>
+            <a:r>
+              <a:rPr lang="en-US" dirty="0" smtClean="0"/>
+              <a:t>Publishing Filter</a:t>
+            </a:r>
+            <a:endParaRPr lang="en-US" dirty="0"/>
+          </a:p>
+        </p:txBody>
+      </p:sp>
+      <p:sp>
+        <p:nvSpPr>
+          <p:cNvPr id="3" name="Content Placeholder 2"/>
+          <p:cNvSpPr>
+            <a:spLocks noGrp="1"/>
+          </p:cNvSpPr>
+          <p:nvPr>
+            <p:ph idx="1"/>
+          </p:nvPr>
+        </p:nvSpPr>
+        <p:spPr/>
+        <p:txBody>
+          <a:bodyPr/>
+          <a:lstStyle/>
+          <a:p>
+            <a:r>
+              <a:rPr lang="en-US" dirty="0" smtClean="0"/>
+              <a:t>JavaScript, HTML</a:t>
+            </a:r>
+          </a:p>
+          <a:p>
+            <a:pPr>
+              <a:buNone/>
+            </a:pPr>
+            <a:endParaRPr lang="en-US" dirty="0" smtClean="0"/>
+          </a:p>
+          <a:p>
+            <a:pPr>
+              <a:buNone/>
+            </a:pPr>
+            <a:r>
+              <a:rPr lang="en-US" b="1" dirty="0" smtClean="0"/>
+              <a:t>What it does:</a:t>
+            </a:r>
+          </a:p>
+          <a:p>
+            <a:pPr marL="514350" indent="-514350">
+              <a:buAutoNum type="arabicPeriod"/>
+            </a:pPr>
+            <a:r>
+              <a:rPr lang="en-US" dirty="0" smtClean="0"/>
+              <a:t>Blocks certain files from being published.</a:t>
+            </a:r>
+          </a:p>
+          <a:p>
+            <a:pPr marL="514350" indent="-514350">
+              <a:buNone/>
+            </a:pPr>
+            <a:endParaRPr lang="en-US" dirty="0"/>
           </a:p>
         </p:txBody>
       </p:sp>
